--- a/Bronx Real Estate.pptx
+++ b/Bronx Real Estate.pptx
@@ -7153,13 +7153,13 @@
           <a:p>
             <a:r>
               <a:rPr lang="en-US" sz="1800" dirty="0"/>
-              <a:t>Collected and reviewed multiple Bronx data sets for sale of real estate</a:t>
+              <a:t>Collected and reviewed multiple Bronx data sets for 15 years</a:t>
             </a:r>
           </a:p>
           <a:p>
             <a:r>
               <a:rPr lang="en-US" sz="1800" dirty="0"/>
-              <a:t>Created multiple regression machine learning model to process data</a:t>
+              <a:t>Created multiple linear regression machine learning model to process data</a:t>
             </a:r>
           </a:p>
           <a:p>
@@ -7589,6 +7589,12 @@
             <a:r>
               <a:rPr lang="en-US" sz="1800" dirty="0"/>
               <a:t>Only one neighborhood in the Bronx, where the average price for one family home is $1mil</a:t>
+            </a:r>
+          </a:p>
+          <a:p>
+            <a:r>
+              <a:rPr lang="en-US" sz="1800" dirty="0"/>
+              <a:t>Square footage has the most impact on the price of property</a:t>
             </a:r>
           </a:p>
           <a:p>
